--- a/Presentation/Auto_sales_final.pptx
+++ b/Presentation/Auto_sales_final.pptx
@@ -19,8 +19,7 @@
     <p:sldId id="268" r:id="rId13"/>
     <p:sldId id="278" r:id="rId14"/>
     <p:sldId id="281" r:id="rId15"/>
-    <p:sldId id="261" r:id="rId16"/>
-    <p:sldId id="264" r:id="rId17"/>
+    <p:sldId id="264" r:id="rId16"/>
   </p:sldIdLst>
   <p:sldSz cx="12192000" cy="6858000"/>
   <p:notesSz cx="6858000" cy="9144000"/>
@@ -2970,7 +2969,7 @@
             <a:fld id="{08B9EBBA-996F-894A-B54A-D6246ED52CEA}" type="datetimeFigureOut">
               <a:rPr lang="en-US" dirty="0"/>
               <a:pPr/>
-              <a:t>8/15/21</a:t>
+              <a:t>8/16/2021</a:t>
             </a:fld>
             <a:endParaRPr lang="en-US" dirty="0"/>
           </a:p>
@@ -3285,7 +3284,7 @@
             <a:fld id="{18C79C5D-2A6F-F04D-97DA-BEF2467B64E4}" type="datetimeFigureOut">
               <a:rPr lang="en-US" dirty="0"/>
               <a:pPr/>
-              <a:t>8/15/21</a:t>
+              <a:t>8/16/2021</a:t>
             </a:fld>
             <a:endParaRPr lang="en-US" dirty="0"/>
           </a:p>
@@ -3770,7 +3769,7 @@
             <a:fld id="{8DFA1846-DA80-1C48-A609-854EA85C59AD}" type="datetimeFigureOut">
               <a:rPr lang="en-US" dirty="0"/>
               <a:pPr/>
-              <a:t>8/15/21</a:t>
+              <a:t>8/16/2021</a:t>
             </a:fld>
             <a:endParaRPr lang="en-US" dirty="0"/>
           </a:p>
@@ -4136,7 +4135,7 @@
             <a:fld id="{FBF54567-0DE4-3F47-BF90-CB84690072F9}" type="datetimeFigureOut">
               <a:rPr lang="en-US" dirty="0"/>
               <a:pPr/>
-              <a:t>8/15/21</a:t>
+              <a:t>8/16/2021</a:t>
             </a:fld>
             <a:endParaRPr lang="en-US" dirty="0"/>
           </a:p>
@@ -4406,7 +4405,7 @@
             <a:fld id="{C6C52C72-DE31-F449-A4ED-4C594FD91407}" type="datetimeFigureOut">
               <a:rPr lang="en-US" dirty="0"/>
               <a:pPr/>
-              <a:t>8/15/21</a:t>
+              <a:t>8/16/2021</a:t>
             </a:fld>
             <a:endParaRPr lang="en-US" dirty="0"/>
           </a:p>
@@ -4688,7 +4687,7 @@
             <a:fld id="{ED62726E-379B-B349-9EED-81ED093FA806}" type="datetimeFigureOut">
               <a:rPr lang="en-US" dirty="0"/>
               <a:pPr/>
-              <a:t>8/15/21</a:t>
+              <a:t>8/16/2021</a:t>
             </a:fld>
             <a:endParaRPr lang="en-US" dirty="0"/>
           </a:p>
@@ -4968,7 +4967,7 @@
             <a:fld id="{9B3A1323-8D79-1946-B0D7-40001CF92E9D}" type="datetimeFigureOut">
               <a:rPr lang="en-US" dirty="0"/>
               <a:pPr/>
-              <a:t>8/15/21</a:t>
+              <a:t>8/16/2021</a:t>
             </a:fld>
             <a:endParaRPr lang="en-US" dirty="0"/>
           </a:p>
@@ -5308,7 +5307,7 @@
             <a:fld id="{8DFA1846-DA80-1C48-A609-854EA85C59AD}" type="datetimeFigureOut">
               <a:rPr lang="en-US" dirty="0"/>
               <a:pPr/>
-              <a:t>8/15/21</a:t>
+              <a:t>8/16/2021</a:t>
             </a:fld>
             <a:endParaRPr lang="en-US" dirty="0"/>
           </a:p>
@@ -5644,7 +5643,7 @@
             <a:fld id="{57302355-E14B-8545-A8F8-0FE83CC9D524}" type="datetimeFigureOut">
               <a:rPr lang="en-US" dirty="0"/>
               <a:pPr/>
-              <a:t>8/15/21</a:t>
+              <a:t>8/16/2021</a:t>
             </a:fld>
             <a:endParaRPr lang="en-US" dirty="0"/>
           </a:p>
@@ -6118,7 +6117,7 @@
             <a:fld id="{02640F58-564D-2B4F-AE67-E407BA4FCF45}" type="datetimeFigureOut">
               <a:rPr lang="en-US" dirty="0"/>
               <a:pPr/>
-              <a:t>8/15/21</a:t>
+              <a:t>8/16/2021</a:t>
             </a:fld>
             <a:endParaRPr lang="en-US" dirty="0"/>
           </a:p>
@@ -6336,7 +6335,7 @@
             <a:fld id="{F13A34C8-038E-2045-AF43-DF7DBB8E0E9E}" type="datetimeFigureOut">
               <a:rPr lang="en-US" dirty="0"/>
               <a:pPr/>
-              <a:t>8/15/21</a:t>
+              <a:t>8/16/2021</a:t>
             </a:fld>
             <a:endParaRPr lang="en-US" dirty="0"/>
           </a:p>
@@ -6428,7 +6427,7 @@
             <a:fld id="{8818C68F-D26B-8F47-958C-23B49CF8A634}" type="datetimeFigureOut">
               <a:rPr lang="en-US" dirty="0"/>
               <a:pPr/>
-              <a:t>8/15/21</a:t>
+              <a:t>8/16/2021</a:t>
             </a:fld>
             <a:endParaRPr lang="en-US" dirty="0"/>
           </a:p>
@@ -6892,7 +6891,7 @@
             <a:fld id="{D0DF5E60-9974-AC48-9591-99C2BB44B7CF}" type="datetimeFigureOut">
               <a:rPr lang="en-US" dirty="0"/>
               <a:pPr/>
-              <a:t>8/15/21</a:t>
+              <a:t>8/16/2021</a:t>
             </a:fld>
             <a:endParaRPr lang="en-US" dirty="0"/>
           </a:p>
@@ -7202,7 +7201,7 @@
             <a:fld id="{18C79C5D-2A6F-F04D-97DA-BEF2467B64E4}" type="datetimeFigureOut">
               <a:rPr lang="en-US" dirty="0"/>
               <a:pPr/>
-              <a:t>8/15/21</a:t>
+              <a:t>8/16/2021</a:t>
             </a:fld>
             <a:endParaRPr lang="en-US" dirty="0"/>
           </a:p>
@@ -7469,7 +7468,7 @@
             <a:fld id="{09B482E8-6E0E-1B4F-B1FD-C69DB9E858D9}" type="datetimeFigureOut">
               <a:rPr lang="en-US" dirty="0"/>
               <a:pPr/>
-              <a:t>8/15/21</a:t>
+              <a:t>8/16/2021</a:t>
             </a:fld>
             <a:endParaRPr lang="en-US" dirty="0"/>
           </a:p>
@@ -9268,287 +9267,6 @@
         </p:spPr>
         <p:txBody>
           <a:bodyPr vert="horz" lIns="91440" tIns="45720" rIns="91440" bIns="45720" rtlCol="0" anchor="ctr">
-            <a:normAutofit fontScale="62500" lnSpcReduction="20000"/>
-          </a:bodyPr>
-          <a:lstStyle>
-            <a:lvl1pPr marL="342900" indent="-342900" algn="l" defTabSz="457200" rtl="0" eaLnBrk="1" latinLnBrk="0" hangingPunct="1">
-              <a:spcBef>
-                <a:spcPct val="20000"/>
-              </a:spcBef>
-              <a:spcAft>
-                <a:spcPts val="600"/>
-              </a:spcAft>
-              <a:buClr>
-                <a:schemeClr val="accent1"/>
-              </a:buClr>
-              <a:buFont typeface="Wingdings 2" charset="2"/>
-              <a:buChar char=""/>
-              <a:defRPr sz="1800" kern="1200">
-                <a:solidFill>
-                  <a:schemeClr val="tx1"/>
-                </a:solidFill>
-                <a:latin typeface="+mn-lt"/>
-                <a:ea typeface="+mn-ea"/>
-                <a:cs typeface="+mn-cs"/>
-              </a:defRPr>
-            </a:lvl1pPr>
-            <a:lvl2pPr marL="742950" indent="-285750" algn="l" defTabSz="457200" rtl="0" eaLnBrk="1" latinLnBrk="0" hangingPunct="1">
-              <a:spcBef>
-                <a:spcPct val="20000"/>
-              </a:spcBef>
-              <a:spcAft>
-                <a:spcPts val="600"/>
-              </a:spcAft>
-              <a:buClr>
-                <a:schemeClr val="accent1"/>
-              </a:buClr>
-              <a:buFont typeface="Wingdings 2" charset="2"/>
-              <a:buChar char=""/>
-              <a:defRPr sz="1600" kern="1200">
-                <a:solidFill>
-                  <a:schemeClr val="tx1"/>
-                </a:solidFill>
-                <a:latin typeface="+mn-lt"/>
-                <a:ea typeface="+mn-ea"/>
-                <a:cs typeface="+mn-cs"/>
-              </a:defRPr>
-            </a:lvl2pPr>
-            <a:lvl3pPr marL="1143000" indent="-228600" algn="l" defTabSz="457200" rtl="0" eaLnBrk="1" latinLnBrk="0" hangingPunct="1">
-              <a:spcBef>
-                <a:spcPct val="20000"/>
-              </a:spcBef>
-              <a:spcAft>
-                <a:spcPts val="600"/>
-              </a:spcAft>
-              <a:buClr>
-                <a:schemeClr val="accent1"/>
-              </a:buClr>
-              <a:buFont typeface="Wingdings 2" charset="2"/>
-              <a:buChar char=""/>
-              <a:defRPr sz="1400" kern="1200">
-                <a:solidFill>
-                  <a:schemeClr val="tx1"/>
-                </a:solidFill>
-                <a:latin typeface="+mn-lt"/>
-                <a:ea typeface="+mn-ea"/>
-                <a:cs typeface="+mn-cs"/>
-              </a:defRPr>
-            </a:lvl3pPr>
-            <a:lvl4pPr marL="1600200" indent="-228600" algn="l" defTabSz="457200" rtl="0" eaLnBrk="1" latinLnBrk="0" hangingPunct="1">
-              <a:spcBef>
-                <a:spcPct val="20000"/>
-              </a:spcBef>
-              <a:spcAft>
-                <a:spcPts val="600"/>
-              </a:spcAft>
-              <a:buClr>
-                <a:schemeClr val="accent1"/>
-              </a:buClr>
-              <a:buFont typeface="Wingdings 2" charset="2"/>
-              <a:buChar char=""/>
-              <a:defRPr sz="1200" kern="1200">
-                <a:solidFill>
-                  <a:schemeClr val="tx1"/>
-                </a:solidFill>
-                <a:latin typeface="+mn-lt"/>
-                <a:ea typeface="+mn-ea"/>
-                <a:cs typeface="+mn-cs"/>
-              </a:defRPr>
-            </a:lvl4pPr>
-            <a:lvl5pPr marL="2057400" indent="-228600" algn="l" defTabSz="457200" rtl="0" eaLnBrk="1" latinLnBrk="0" hangingPunct="1">
-              <a:spcBef>
-                <a:spcPct val="20000"/>
-              </a:spcBef>
-              <a:spcAft>
-                <a:spcPts val="600"/>
-              </a:spcAft>
-              <a:buClr>
-                <a:schemeClr val="accent1"/>
-              </a:buClr>
-              <a:buFont typeface="Wingdings 2" charset="2"/>
-              <a:buChar char=""/>
-              <a:defRPr sz="1200" kern="1200">
-                <a:solidFill>
-                  <a:schemeClr val="tx1"/>
-                </a:solidFill>
-                <a:latin typeface="+mn-lt"/>
-                <a:ea typeface="+mn-ea"/>
-                <a:cs typeface="+mn-cs"/>
-              </a:defRPr>
-            </a:lvl5pPr>
-            <a:lvl6pPr marL="2400000" indent="-228600" algn="l" defTabSz="457200" rtl="0" eaLnBrk="1" latinLnBrk="0" hangingPunct="1">
-              <a:spcBef>
-                <a:spcPct val="20000"/>
-              </a:spcBef>
-              <a:spcAft>
-                <a:spcPts val="600"/>
-              </a:spcAft>
-              <a:buClr>
-                <a:schemeClr val="accent1"/>
-              </a:buClr>
-              <a:buFont typeface="Wingdings 2" charset="2"/>
-              <a:buChar char=""/>
-              <a:defRPr sz="1200" kern="1200">
-                <a:solidFill>
-                  <a:schemeClr val="tx1"/>
-                </a:solidFill>
-                <a:latin typeface="+mn-lt"/>
-                <a:ea typeface="+mn-ea"/>
-                <a:cs typeface="+mn-cs"/>
-              </a:defRPr>
-            </a:lvl6pPr>
-            <a:lvl7pPr marL="2800000" indent="-228600" algn="l" defTabSz="457200" rtl="0" eaLnBrk="1" latinLnBrk="0" hangingPunct="1">
-              <a:spcBef>
-                <a:spcPct val="20000"/>
-              </a:spcBef>
-              <a:spcAft>
-                <a:spcPts val="600"/>
-              </a:spcAft>
-              <a:buClr>
-                <a:schemeClr val="accent1"/>
-              </a:buClr>
-              <a:buFont typeface="Wingdings 2" charset="2"/>
-              <a:buChar char=""/>
-              <a:defRPr sz="1200" kern="1200">
-                <a:solidFill>
-                  <a:schemeClr val="tx1"/>
-                </a:solidFill>
-                <a:latin typeface="+mn-lt"/>
-                <a:ea typeface="+mn-ea"/>
-                <a:cs typeface="+mn-cs"/>
-              </a:defRPr>
-            </a:lvl7pPr>
-            <a:lvl8pPr marL="3200000" indent="-228600" algn="l" defTabSz="457200" rtl="0" eaLnBrk="1" latinLnBrk="0" hangingPunct="1">
-              <a:spcBef>
-                <a:spcPct val="20000"/>
-              </a:spcBef>
-              <a:spcAft>
-                <a:spcPts val="600"/>
-              </a:spcAft>
-              <a:buClr>
-                <a:schemeClr val="accent1"/>
-              </a:buClr>
-              <a:buFont typeface="Wingdings 2" charset="2"/>
-              <a:buChar char=""/>
-              <a:defRPr sz="1200" kern="1200">
-                <a:solidFill>
-                  <a:schemeClr val="tx1"/>
-                </a:solidFill>
-                <a:latin typeface="+mn-lt"/>
-                <a:ea typeface="+mn-ea"/>
-                <a:cs typeface="+mn-cs"/>
-              </a:defRPr>
-            </a:lvl8pPr>
-            <a:lvl9pPr marL="3600000" indent="-228600" algn="l" defTabSz="457200" rtl="0" eaLnBrk="1" latinLnBrk="0" hangingPunct="1">
-              <a:spcBef>
-                <a:spcPct val="20000"/>
-              </a:spcBef>
-              <a:spcAft>
-                <a:spcPts val="600"/>
-              </a:spcAft>
-              <a:buClr>
-                <a:schemeClr val="accent1"/>
-              </a:buClr>
-              <a:buFont typeface="Wingdings 2" charset="2"/>
-              <a:buChar char=""/>
-              <a:defRPr sz="1200" kern="1200">
-                <a:solidFill>
-                  <a:schemeClr val="tx1"/>
-                </a:solidFill>
-                <a:latin typeface="+mn-lt"/>
-                <a:ea typeface="+mn-ea"/>
-                <a:cs typeface="+mn-cs"/>
-              </a:defRPr>
-            </a:lvl9pPr>
-          </a:lstStyle>
-          <a:p>
-            <a:pPr marL="0" indent="0">
-              <a:buNone/>
-            </a:pPr>
-            <a:r>
-              <a:rPr lang="en-US" b="1" dirty="0"/>
-              <a:t>   </a:t>
-            </a:r>
-            <a:r>
-              <a:rPr lang="en-US" sz="2400" b="1" u="sng" dirty="0"/>
-              <a:t> </a:t>
-            </a:r>
-            <a:r>
-              <a:rPr lang="en-US" sz="4600" u="sng" dirty="0"/>
-              <a:t>New Questions ? </a:t>
-            </a:r>
-          </a:p>
-          <a:p>
-            <a:pPr marL="0" indent="0">
-              <a:buFont typeface="Wingdings 2" charset="2"/>
-              <a:buNone/>
-            </a:pPr>
-            <a:endParaRPr lang="en-US" dirty="0"/>
-          </a:p>
-        </p:txBody>
-      </p:sp>
-      <p:pic>
-        <p:nvPicPr>
-          <p:cNvPr id="16" name="Picture 15" descr="Diagram, schematic&#10;&#10;Description automatically generated">
-            <a:extLst>
-              <a:ext uri="{FF2B5EF4-FFF2-40B4-BE49-F238E27FC236}">
-                <a16:creationId xmlns:a16="http://schemas.microsoft.com/office/drawing/2014/main" id="{FB44A68F-10B2-41EF-B281-A942DB414923}"/>
-              </a:ext>
-            </a:extLst>
-          </p:cNvPr>
-          <p:cNvPicPr>
-            <a:picLocks noChangeAspect="1"/>
-          </p:cNvPicPr>
-          <p:nvPr/>
-        </p:nvPicPr>
-        <p:blipFill>
-          <a:blip r:embed="rId3"/>
-          <a:stretch>
-            <a:fillRect/>
-          </a:stretch>
-        </p:blipFill>
-        <p:spPr>
-          <a:xfrm>
-            <a:off x="4882931" y="2383612"/>
-            <a:ext cx="6705600" cy="3994595"/>
-          </a:xfrm>
-          <a:prstGeom prst="rect">
-            <a:avLst/>
-          </a:prstGeom>
-        </p:spPr>
-      </p:pic>
-      <p:sp>
-        <p:nvSpPr>
-          <p:cNvPr id="19" name="Content Placeholder 2">
-            <a:extLst>
-              <a:ext uri="{FF2B5EF4-FFF2-40B4-BE49-F238E27FC236}">
-                <a16:creationId xmlns:a16="http://schemas.microsoft.com/office/drawing/2014/main" id="{67F4CCBB-DBF0-445C-BF4C-0076ECA2A1A7}"/>
-              </a:ext>
-            </a:extLst>
-          </p:cNvPr>
-          <p:cNvSpPr txBox="1">
-            <a:spLocks/>
-          </p:cNvSpPr>
-          <p:nvPr/>
-        </p:nvSpPr>
-        <p:spPr>
-          <a:xfrm>
-            <a:off x="210572" y="4700923"/>
-            <a:ext cx="3395479" cy="889494"/>
-          </a:xfrm>
-          <a:prstGeom prst="rect">
-            <a:avLst/>
-          </a:prstGeom>
-          <a:effectLst>
-            <a:outerShdw blurRad="50800" dir="14400000">
-              <a:srgbClr val="000000">
-                <a:alpha val="40000"/>
-              </a:srgbClr>
-            </a:outerShdw>
-          </a:effectLst>
-        </p:spPr>
-        <p:txBody>
-          <a:bodyPr vert="horz" lIns="91440" tIns="45720" rIns="91440" bIns="45720" rtlCol="0" anchor="ctr">
             <a:normAutofit/>
           </a:bodyPr>
           <a:lstStyle>
@@ -9751,13 +9469,10 @@
               <a:t>   </a:t>
             </a:r>
             <a:r>
-              <a:rPr lang="en-US" sz="2400" b="1" u="sng" dirty="0"/>
-              <a:t> </a:t>
-            </a:r>
-            <a:r>
               <a:rPr lang="en-US" sz="3200" u="sng" dirty="0"/>
-              <a:t>Inferences ? </a:t>
-            </a:r>
+              <a:t>Difficulties?</a:t>
+            </a:r>
+            <a:endParaRPr lang="en-US" sz="5100" u="sng" dirty="0"/>
           </a:p>
           <a:p>
             <a:pPr marL="0" indent="0">
@@ -9768,79 +9483,12 @@
           </a:p>
         </p:txBody>
       </p:sp>
-    </p:spTree>
-    <p:extLst>
-      <p:ext uri="{BB962C8B-B14F-4D97-AF65-F5344CB8AC3E}">
-        <p14:creationId xmlns:p14="http://schemas.microsoft.com/office/powerpoint/2010/main" val="2532293276"/>
-      </p:ext>
-    </p:extLst>
-  </p:cSld>
-  <p:clrMapOvr>
-    <a:masterClrMapping/>
-  </p:clrMapOvr>
-</p:sld>
-</file>
-
-<file path=ppt/slides/slide15.xml><?xml version="1.0" encoding="utf-8"?>
-<p:sld xmlns:a="http://schemas.openxmlformats.org/drawingml/2006/main" xmlns:r="http://schemas.openxmlformats.org/officeDocument/2006/relationships" xmlns:p="http://schemas.openxmlformats.org/presentationml/2006/main">
-  <p:cSld>
-    <p:spTree>
-      <p:nvGrpSpPr>
-        <p:cNvPr id="1" name=""/>
-        <p:cNvGrpSpPr/>
-        <p:nvPr/>
-      </p:nvGrpSpPr>
-      <p:grpSpPr>
-        <a:xfrm>
-          <a:off x="0" y="0"/>
-          <a:ext cx="0" cy="0"/>
-          <a:chOff x="0" y="0"/>
-          <a:chExt cx="0" cy="0"/>
-        </a:xfrm>
-      </p:grpSpPr>
-      <p:sp>
-        <p:nvSpPr>
-          <p:cNvPr id="2" name="Title 1">
+      <p:pic>
+        <p:nvPicPr>
+          <p:cNvPr id="16" name="Picture 15" descr="Diagram, schematic&#10;&#10;Description automatically generated">
             <a:extLst>
               <a:ext uri="{FF2B5EF4-FFF2-40B4-BE49-F238E27FC236}">
-                <a16:creationId xmlns:a16="http://schemas.microsoft.com/office/drawing/2014/main" id="{C8183D44-576D-E44F-91A2-906988CBA89E}"/>
-              </a:ext>
-            </a:extLst>
-          </p:cNvPr>
-          <p:cNvSpPr>
-            <a:spLocks noGrp="1"/>
-          </p:cNvSpPr>
-          <p:nvPr>
-            <p:ph type="title"/>
-          </p:nvPr>
-        </p:nvSpPr>
-        <p:spPr>
-          <a:xfrm>
-            <a:off x="654358" y="214009"/>
-            <a:ext cx="10571998" cy="2008278"/>
-          </a:xfrm>
-        </p:spPr>
-        <p:txBody>
-          <a:bodyPr/>
-          <a:lstStyle/>
-          <a:p>
-            <a:r>
-              <a:rPr lang="en-US" sz="5400" dirty="0"/>
-              <a:t>Discussion</a:t>
-            </a:r>
-            <a:br>
-              <a:rPr lang="en-US" sz="6600" dirty="0"/>
-            </a:br>
-            <a:endParaRPr lang="en-US" sz="6600" dirty="0"/>
-          </a:p>
-        </p:txBody>
-      </p:sp>
-      <p:pic>
-        <p:nvPicPr>
-          <p:cNvPr id="4" name="Picture 3">
-            <a:extLst>
-              <a:ext uri="{FF2B5EF4-FFF2-40B4-BE49-F238E27FC236}">
-                <a16:creationId xmlns:a16="http://schemas.microsoft.com/office/drawing/2014/main" id="{9270890A-43F9-144D-A73D-DD6DF03B98EC}"/>
+                <a16:creationId xmlns:a16="http://schemas.microsoft.com/office/drawing/2014/main" id="{FB44A68F-10B2-41EF-B281-A942DB414923}"/>
               </a:ext>
             </a:extLst>
           </p:cNvPr>
@@ -9850,95 +9498,27 @@
           <p:nvPr/>
         </p:nvPicPr>
         <p:blipFill>
-          <a:blip r:embed="rId2">
-            <a:extLst>
-              <a:ext uri="{BEBA8EAE-BF5A-486C-A8C5-ECC9F3942E4B}">
-                <a14:imgProps xmlns:a14="http://schemas.microsoft.com/office/drawing/2010/main">
-                  <a14:imgLayer r:embed="rId3">
-                    <a14:imgEffect>
-                      <a14:backgroundRemoval t="10000" b="90000" l="10000" r="90000">
-                        <a14:foregroundMark x1="14894" y1="70000" x2="14894" y2="70000"/>
-                        <a14:foregroundMark x1="15957" y1="55000" x2="15957" y2="55000"/>
-                        <a14:foregroundMark x1="38298" y1="46250" x2="38298" y2="46250"/>
-                        <a14:foregroundMark x1="74468" y1="47500" x2="74468" y2="47500"/>
-                        <a14:foregroundMark x1="65957" y1="23750" x2="65957" y2="23750"/>
-                        <a14:foregroundMark x1="74468" y1="68750" x2="74468" y2="68750"/>
-                        <a14:backgroundMark x1="15957" y1="78750" x2="15957" y2="78750"/>
-                        <a14:backgroundMark x1="44681" y1="55000" x2="44681" y2="55000"/>
-                        <a14:backgroundMark x1="74468" y1="76250" x2="74468" y2="76250"/>
-                        <a14:backgroundMark x1="12766" y1="57500" x2="12766" y2="57500"/>
-                        <a14:backgroundMark x1="12766" y1="57500" x2="12766" y2="57500"/>
-                        <a14:backgroundMark x1="11702" y1="56250" x2="11702" y2="56250"/>
-                        <a14:backgroundMark x1="12766" y1="57500" x2="12766" y2="57500"/>
-                        <a14:backgroundMark x1="12766" y1="56250" x2="12766" y2="56250"/>
-                        <a14:backgroundMark x1="12766" y1="56250" x2="12766" y2="56250"/>
-                        <a14:backgroundMark x1="13830" y1="56250" x2="13830" y2="56250"/>
-                        <a14:backgroundMark x1="13830" y1="56250" x2="13830" y2="56250"/>
-                        <a14:backgroundMark x1="12766" y1="55000" x2="12766" y2="55000"/>
-                        <a14:backgroundMark x1="12766" y1="55000" x2="12766" y2="55000"/>
-                        <a14:backgroundMark x1="14894" y1="72500" x2="14894" y2="72500"/>
-                        <a14:backgroundMark x1="62766" y1="25000" x2="62766" y2="25000"/>
-                        <a14:backgroundMark x1="62766" y1="25000" x2="62766" y2="25000"/>
-                        <a14:backgroundMark x1="62766" y1="25000" x2="62766" y2="25000"/>
-                        <a14:backgroundMark x1="62766" y1="25000" x2="62766" y2="25000"/>
-                        <a14:backgroundMark x1="72340" y1="72500" x2="72340" y2="72500"/>
-                      </a14:backgroundRemoval>
-                    </a14:imgEffect>
-                  </a14:imgLayer>
-                </a14:imgProps>
-              </a:ext>
-            </a:extLst>
-          </a:blip>
+          <a:blip r:embed="rId3"/>
           <a:stretch>
             <a:fillRect/>
           </a:stretch>
         </p:blipFill>
         <p:spPr>
           <a:xfrm>
-            <a:off x="11373286" y="116489"/>
-            <a:ext cx="736164" cy="626523"/>
+            <a:off x="4882931" y="2383612"/>
+            <a:ext cx="6705600" cy="3994595"/>
           </a:xfrm>
           <a:prstGeom prst="rect">
             <a:avLst/>
           </a:prstGeom>
         </p:spPr>
       </p:pic>
-      <p:pic>
-        <p:nvPicPr>
-          <p:cNvPr id="11" name="Picture 10" descr="A picture containing table, person, indoor, wall&#10;&#10;Description automatically generated">
+      <p:sp>
+        <p:nvSpPr>
+          <p:cNvPr id="19" name="Content Placeholder 2">
             <a:extLst>
               <a:ext uri="{FF2B5EF4-FFF2-40B4-BE49-F238E27FC236}">
-                <a16:creationId xmlns:a16="http://schemas.microsoft.com/office/drawing/2014/main" id="{F5DA3E8B-D142-4D5A-953E-84AF00AF9B9C}"/>
-              </a:ext>
-            </a:extLst>
-          </p:cNvPr>
-          <p:cNvPicPr>
-            <a:picLocks noChangeAspect="1"/>
-          </p:cNvPicPr>
-          <p:nvPr/>
-        </p:nvPicPr>
-        <p:blipFill>
-          <a:blip r:embed="rId4"/>
-          <a:stretch>
-            <a:fillRect/>
-          </a:stretch>
-        </p:blipFill>
-        <p:spPr>
-          <a:xfrm>
-            <a:off x="5866544" y="2490093"/>
-            <a:ext cx="5955978" cy="3579013"/>
-          </a:xfrm>
-          <a:prstGeom prst="rect">
-            <a:avLst/>
-          </a:prstGeom>
-        </p:spPr>
-      </p:pic>
-      <p:sp>
-        <p:nvSpPr>
-          <p:cNvPr id="15" name="Content Placeholder 2">
-            <a:extLst>
-              <a:ext uri="{FF2B5EF4-FFF2-40B4-BE49-F238E27FC236}">
-                <a16:creationId xmlns:a16="http://schemas.microsoft.com/office/drawing/2014/main" id="{FBAC34F7-5B14-4A67-8201-B98B72DCF0E2}"/>
+                <a16:creationId xmlns:a16="http://schemas.microsoft.com/office/drawing/2014/main" id="{67F4CCBB-DBF0-445C-BF4C-0076ECA2A1A7}"/>
               </a:ext>
             </a:extLst>
           </p:cNvPr>
@@ -9949,17 +9529,23 @@
         </p:nvSpPr>
         <p:spPr>
           <a:xfrm>
-            <a:off x="555023" y="3155799"/>
-            <a:ext cx="4779392" cy="2735786"/>
+            <a:off x="210572" y="4700923"/>
+            <a:ext cx="3395479" cy="889494"/>
           </a:xfrm>
           <a:prstGeom prst="rect">
             <a:avLst/>
           </a:prstGeom>
-          <a:effectLst/>
+          <a:effectLst>
+            <a:outerShdw blurRad="50800" dir="14400000">
+              <a:srgbClr val="000000">
+                <a:alpha val="40000"/>
+              </a:srgbClr>
+            </a:outerShdw>
+          </a:effectLst>
         </p:spPr>
         <p:txBody>
           <a:bodyPr vert="horz" lIns="91440" tIns="45720" rIns="91440" bIns="45720" rtlCol="0" anchor="ctr">
-            <a:normAutofit/>
+            <a:normAutofit fontScale="92500"/>
           </a:bodyPr>
           <a:lstStyle>
             <a:lvl1pPr marL="342900" indent="-342900" algn="l" defTabSz="457200" rtl="0" eaLnBrk="1" latinLnBrk="0" hangingPunct="1">
@@ -10154,66 +9740,30 @@
           </a:lstStyle>
           <a:p>
             <a:pPr marL="0" indent="0">
-              <a:buFont typeface="Wingdings 2" charset="2"/>
               <a:buNone/>
             </a:pPr>
             <a:r>
-              <a:rPr lang="en-US" dirty="0"/>
-              <a:t> </a:t>
+              <a:rPr lang="en-US" b="1" dirty="0"/>
+              <a:t>   </a:t>
             </a:r>
             <a:r>
               <a:rPr lang="en-US" sz="3200" u="sng" dirty="0"/>
-              <a:t>Difficulties</a:t>
-            </a:r>
-          </a:p>
-          <a:p>
-            <a:pPr lvl="1"/>
-            <a:r>
-              <a:rPr lang="en-US" dirty="0"/>
-              <a:t> Obtaining Data</a:t>
-            </a:r>
-          </a:p>
-          <a:p>
-            <a:pPr lvl="1"/>
-            <a:r>
-              <a:rPr lang="en-US" dirty="0"/>
-              <a:t>Cleaning/Formatting Data</a:t>
-            </a:r>
-          </a:p>
-          <a:p>
-            <a:pPr lvl="1"/>
-            <a:r>
-              <a:rPr lang="en-US" dirty="0"/>
-              <a:t>GitHub</a:t>
-            </a:r>
-          </a:p>
-          <a:p>
-            <a:pPr lvl="1"/>
-            <a:endParaRPr lang="en-US" dirty="0"/>
-          </a:p>
-          <a:p>
-            <a:pPr lvl="1"/>
-            <a:r>
-              <a:rPr lang="en-US" dirty="0"/>
-              <a:t>COMMUNICATION IS THE KEY !!!</a:t>
-            </a:r>
-          </a:p>
-          <a:p>
-            <a:pPr marL="457200" lvl="1" indent="0">
+              <a:t>New Questions? </a:t>
+            </a:r>
+          </a:p>
+          <a:p>
+            <a:pPr marL="0" indent="0">
               <a:buFont typeface="Wingdings 2" charset="2"/>
               <a:buNone/>
             </a:pPr>
             <a:endParaRPr lang="en-US" dirty="0"/>
           </a:p>
-          <a:p>
-            <a:endParaRPr lang="en-US" dirty="0"/>
-          </a:p>
         </p:txBody>
       </p:sp>
     </p:spTree>
     <p:extLst>
       <p:ext uri="{BB962C8B-B14F-4D97-AF65-F5344CB8AC3E}">
-        <p14:creationId xmlns:p14="http://schemas.microsoft.com/office/powerpoint/2010/main" val="1728610232"/>
+        <p14:creationId xmlns:p14="http://schemas.microsoft.com/office/powerpoint/2010/main" val="2532293276"/>
       </p:ext>
     </p:extLst>
   </p:cSld>
@@ -10223,7 +9773,7 @@
 </p:sld>
 </file>
 
-<file path=ppt/slides/slide16.xml><?xml version="1.0" encoding="utf-8"?>
+<file path=ppt/slides/slide15.xml><?xml version="1.0" encoding="utf-8"?>
 <p:sld xmlns:a="http://schemas.openxmlformats.org/drawingml/2006/main" xmlns:r="http://schemas.openxmlformats.org/officeDocument/2006/relationships" xmlns:p="http://schemas.openxmlformats.org/presentationml/2006/main">
   <p:cSld>
     <p:spTree>

--- a/Presentation/Auto_sales_final.pptx
+++ b/Presentation/Auto_sales_final.pptx
@@ -2969,7 +2969,7 @@
             <a:fld id="{08B9EBBA-996F-894A-B54A-D6246ED52CEA}" type="datetimeFigureOut">
               <a:rPr lang="en-US" dirty="0"/>
               <a:pPr/>
-              <a:t>8/16/2021</a:t>
+              <a:t>8/17/21</a:t>
             </a:fld>
             <a:endParaRPr lang="en-US" dirty="0"/>
           </a:p>
@@ -3284,7 +3284,7 @@
             <a:fld id="{18C79C5D-2A6F-F04D-97DA-BEF2467B64E4}" type="datetimeFigureOut">
               <a:rPr lang="en-US" dirty="0"/>
               <a:pPr/>
-              <a:t>8/16/2021</a:t>
+              <a:t>8/17/21</a:t>
             </a:fld>
             <a:endParaRPr lang="en-US" dirty="0"/>
           </a:p>
@@ -3769,7 +3769,7 @@
             <a:fld id="{8DFA1846-DA80-1C48-A609-854EA85C59AD}" type="datetimeFigureOut">
               <a:rPr lang="en-US" dirty="0"/>
               <a:pPr/>
-              <a:t>8/16/2021</a:t>
+              <a:t>8/17/21</a:t>
             </a:fld>
             <a:endParaRPr lang="en-US" dirty="0"/>
           </a:p>
@@ -4135,7 +4135,7 @@
             <a:fld id="{FBF54567-0DE4-3F47-BF90-CB84690072F9}" type="datetimeFigureOut">
               <a:rPr lang="en-US" dirty="0"/>
               <a:pPr/>
-              <a:t>8/16/2021</a:t>
+              <a:t>8/17/21</a:t>
             </a:fld>
             <a:endParaRPr lang="en-US" dirty="0"/>
           </a:p>
@@ -4405,7 +4405,7 @@
             <a:fld id="{C6C52C72-DE31-F449-A4ED-4C594FD91407}" type="datetimeFigureOut">
               <a:rPr lang="en-US" dirty="0"/>
               <a:pPr/>
-              <a:t>8/16/2021</a:t>
+              <a:t>8/17/21</a:t>
             </a:fld>
             <a:endParaRPr lang="en-US" dirty="0"/>
           </a:p>
@@ -4687,7 +4687,7 @@
             <a:fld id="{ED62726E-379B-B349-9EED-81ED093FA806}" type="datetimeFigureOut">
               <a:rPr lang="en-US" dirty="0"/>
               <a:pPr/>
-              <a:t>8/16/2021</a:t>
+              <a:t>8/17/21</a:t>
             </a:fld>
             <a:endParaRPr lang="en-US" dirty="0"/>
           </a:p>
@@ -4967,7 +4967,7 @@
             <a:fld id="{9B3A1323-8D79-1946-B0D7-40001CF92E9D}" type="datetimeFigureOut">
               <a:rPr lang="en-US" dirty="0"/>
               <a:pPr/>
-              <a:t>8/16/2021</a:t>
+              <a:t>8/17/21</a:t>
             </a:fld>
             <a:endParaRPr lang="en-US" dirty="0"/>
           </a:p>
@@ -5307,7 +5307,7 @@
             <a:fld id="{8DFA1846-DA80-1C48-A609-854EA85C59AD}" type="datetimeFigureOut">
               <a:rPr lang="en-US" dirty="0"/>
               <a:pPr/>
-              <a:t>8/16/2021</a:t>
+              <a:t>8/17/21</a:t>
             </a:fld>
             <a:endParaRPr lang="en-US" dirty="0"/>
           </a:p>
@@ -5643,7 +5643,7 @@
             <a:fld id="{57302355-E14B-8545-A8F8-0FE83CC9D524}" type="datetimeFigureOut">
               <a:rPr lang="en-US" dirty="0"/>
               <a:pPr/>
-              <a:t>8/16/2021</a:t>
+              <a:t>8/17/21</a:t>
             </a:fld>
             <a:endParaRPr lang="en-US" dirty="0"/>
           </a:p>
@@ -6117,7 +6117,7 @@
             <a:fld id="{02640F58-564D-2B4F-AE67-E407BA4FCF45}" type="datetimeFigureOut">
               <a:rPr lang="en-US" dirty="0"/>
               <a:pPr/>
-              <a:t>8/16/2021</a:t>
+              <a:t>8/17/21</a:t>
             </a:fld>
             <a:endParaRPr lang="en-US" dirty="0"/>
           </a:p>
@@ -6335,7 +6335,7 @@
             <a:fld id="{F13A34C8-038E-2045-AF43-DF7DBB8E0E9E}" type="datetimeFigureOut">
               <a:rPr lang="en-US" dirty="0"/>
               <a:pPr/>
-              <a:t>8/16/2021</a:t>
+              <a:t>8/17/21</a:t>
             </a:fld>
             <a:endParaRPr lang="en-US" dirty="0"/>
           </a:p>
@@ -6427,7 +6427,7 @@
             <a:fld id="{8818C68F-D26B-8F47-958C-23B49CF8A634}" type="datetimeFigureOut">
               <a:rPr lang="en-US" dirty="0"/>
               <a:pPr/>
-              <a:t>8/16/2021</a:t>
+              <a:t>8/17/21</a:t>
             </a:fld>
             <a:endParaRPr lang="en-US" dirty="0"/>
           </a:p>
@@ -6891,7 +6891,7 @@
             <a:fld id="{D0DF5E60-9974-AC48-9591-99C2BB44B7CF}" type="datetimeFigureOut">
               <a:rPr lang="en-US" dirty="0"/>
               <a:pPr/>
-              <a:t>8/16/2021</a:t>
+              <a:t>8/17/21</a:t>
             </a:fld>
             <a:endParaRPr lang="en-US" dirty="0"/>
           </a:p>
@@ -7201,7 +7201,7 @@
             <a:fld id="{18C79C5D-2A6F-F04D-97DA-BEF2467B64E4}" type="datetimeFigureOut">
               <a:rPr lang="en-US" dirty="0"/>
               <a:pPr/>
-              <a:t>8/16/2021</a:t>
+              <a:t>8/17/21</a:t>
             </a:fld>
             <a:endParaRPr lang="en-US" dirty="0"/>
           </a:p>
@@ -7468,7 +7468,7 @@
             <a:fld id="{09B482E8-6E0E-1B4F-B1FD-C69DB9E858D9}" type="datetimeFigureOut">
               <a:rPr lang="en-US" dirty="0"/>
               <a:pPr/>
-              <a:t>8/16/2021</a:t>
+              <a:t>8/17/21</a:t>
             </a:fld>
             <a:endParaRPr lang="en-US" dirty="0"/>
           </a:p>
@@ -8552,7 +8552,7 @@
         </p:nvSpPr>
         <p:spPr>
           <a:xfrm>
-            <a:off x="7552409" y="4821151"/>
+            <a:off x="7552409" y="4811424"/>
             <a:ext cx="4456176" cy="1938992"/>
           </a:xfrm>
           <a:prstGeom prst="rect">
@@ -12410,7 +12410,7 @@
         </p:nvSpPr>
         <p:spPr>
           <a:xfrm>
-            <a:off x="7525511" y="4694658"/>
+            <a:off x="7525511" y="4745890"/>
             <a:ext cx="4456176" cy="1938992"/>
           </a:xfrm>
           <a:prstGeom prst="rect">

--- a/Presentation/Auto_sales_final.pptx
+++ b/Presentation/Auto_sales_final.pptx
@@ -2776,7 +2776,7 @@
           <a:effectLst/>
           <a:extLst>
             <a:ext uri="{91240B29-F687-4f45-9708-019B960494DF}">
-              <a14:hiddenLine xmlns:a14="http://schemas.microsoft.com/office/drawing/2010/main" xmlns="" w="9525">
+              <a14:hiddenLine xmlns="" xmlns:a14="http://schemas.microsoft.com/office/drawing/2010/main" w="9525">
                 <a:solidFill>
                   <a:srgbClr val="000000"/>
                 </a:solidFill>
@@ -4286,7 +4286,7 @@
           <a:ln/>
           <a:extLst>
             <a:ext uri="{91240B29-F687-4f45-9708-019B960494DF}">
-              <a14:hiddenLine xmlns:a14="http://schemas.microsoft.com/office/drawing/2010/main" xmlns="" w="9525">
+              <a14:hiddenLine xmlns="" xmlns:a14="http://schemas.microsoft.com/office/drawing/2010/main" w="9525">
                 <a:solidFill>
                   <a:srgbClr val="000000"/>
                 </a:solidFill>
@@ -4558,7 +4558,7 @@
           <a:ln/>
           <a:extLst>
             <a:ext uri="{91240B29-F687-4f45-9708-019B960494DF}">
-              <a14:hiddenLine xmlns:a14="http://schemas.microsoft.com/office/drawing/2010/main" xmlns="" w="9525">
+              <a14:hiddenLine xmlns="" xmlns:a14="http://schemas.microsoft.com/office/drawing/2010/main" w="9525">
                 <a:solidFill>
                   <a:srgbClr val="000000"/>
                 </a:solidFill>
@@ -4838,7 +4838,7 @@
           <a:ln/>
           <a:extLst>
             <a:ext uri="{91240B29-F687-4f45-9708-019B960494DF}">
-              <a14:hiddenLine xmlns:a14="http://schemas.microsoft.com/office/drawing/2010/main" xmlns="" w="9525">
+              <a14:hiddenLine xmlns="" xmlns:a14="http://schemas.microsoft.com/office/drawing/2010/main" w="9525">
                 <a:solidFill>
                   <a:srgbClr val="000000"/>
                 </a:solidFill>
@@ -5458,7 +5458,7 @@
           <a:ln/>
           <a:extLst>
             <a:ext uri="{91240B29-F687-4f45-9708-019B960494DF}">
-              <a14:hiddenLine xmlns:a14="http://schemas.microsoft.com/office/drawing/2010/main" xmlns="" w="9525">
+              <a14:hiddenLine xmlns="" xmlns:a14="http://schemas.microsoft.com/office/drawing/2010/main" w="9525">
                 <a:solidFill>
                   <a:srgbClr val="000000"/>
                 </a:solidFill>
@@ -5794,7 +5794,7 @@
           <a:ln/>
           <a:extLst>
             <a:ext uri="{91240B29-F687-4f45-9708-019B960494DF}">
-              <a14:hiddenLine xmlns:a14="http://schemas.microsoft.com/office/drawing/2010/main" xmlns="" w="9525">
+              <a14:hiddenLine xmlns="" xmlns:a14="http://schemas.microsoft.com/office/drawing/2010/main" w="9525">
                 <a:solidFill>
                   <a:srgbClr val="000000"/>
                 </a:solidFill>
@@ -6268,7 +6268,7 @@
           <a:ln/>
           <a:extLst>
             <a:ext uri="{91240B29-F687-4f45-9708-019B960494DF}">
-              <a14:hiddenLine xmlns:a14="http://schemas.microsoft.com/office/drawing/2010/main" xmlns="" w="9525">
+              <a14:hiddenLine xmlns="" xmlns:a14="http://schemas.microsoft.com/office/drawing/2010/main" w="9525">
                 <a:solidFill>
                   <a:srgbClr val="000000"/>
                 </a:solidFill>
@@ -6691,7 +6691,7 @@
           <a:ln/>
           <a:extLst>
             <a:ext uri="{91240B29-F687-4f45-9708-019B960494DF}">
-              <a14:hiddenLine xmlns:a14="http://schemas.microsoft.com/office/drawing/2010/main" xmlns="" w="9525">
+              <a14:hiddenLine xmlns="" xmlns:a14="http://schemas.microsoft.com/office/drawing/2010/main" w="9525">
                 <a:solidFill>
                   <a:srgbClr val="000000"/>
                 </a:solidFill>
@@ -8930,7 +8930,7 @@
         </p:blipFill>
         <p:spPr>
           <a:xfrm>
-            <a:off x="216370" y="2285401"/>
+            <a:off x="245553" y="2275673"/>
             <a:ext cx="6455664" cy="4283233"/>
           </a:xfrm>
           <a:prstGeom prst="rect">
@@ -10401,7 +10401,7 @@
           <a:effectLst/>
           <a:extLst>
             <a:ext uri="{91240B29-F687-4f45-9708-019B960494DF}">
-              <a14:hiddenLine xmlns:a16="http://schemas.microsoft.com/office/drawing/2014/main" xmlns:p14="http://schemas.microsoft.com/office/powerpoint/2010/main" xmlns:a14="http://schemas.microsoft.com/office/drawing/2010/main" xmlns="" w="9525">
+              <a14:hiddenLine xmlns="" xmlns:a14="http://schemas.microsoft.com/office/drawing/2010/main" xmlns:p14="http://schemas.microsoft.com/office/powerpoint/2010/main" xmlns:a16="http://schemas.microsoft.com/office/drawing/2014/main" w="9525">
                 <a:solidFill>
                   <a:srgbClr val="000000"/>
                 </a:solidFill>
